--- a/presentation-source/06-rest-example.pptx
+++ b/presentation-source/06-rest-example.pptx
@@ -181,7 +181,7 @@
           <a:lstStyle>
             <a:lvl1pPr algn="l">
               <a:defRPr sz="1200">
-                <a:latin typeface="Calisto MT"/>
+                <a:latin typeface="Montserrat"/>
               </a:defRPr>
             </a:lvl1pPr>
           </a:lstStyle>
@@ -214,7 +214,7 @@
           <a:lstStyle>
             <a:lvl1pPr algn="r">
               <a:defRPr sz="1200">
-                <a:latin typeface="Calisto MT"/>
+                <a:latin typeface="Montserrat"/>
               </a:defRPr>
             </a:lvl1pPr>
           </a:lstStyle>
@@ -345,7 +345,7 @@
           <a:lstStyle>
             <a:lvl1pPr algn="l">
               <a:defRPr sz="1200">
-                <a:latin typeface="Calisto MT"/>
+                <a:latin typeface="Montserrat"/>
               </a:defRPr>
             </a:lvl1pPr>
           </a:lstStyle>
@@ -378,7 +378,7 @@
           <a:lstStyle>
             <a:lvl1pPr algn="r">
               <a:defRPr sz="1200">
-                <a:latin typeface="Calisto MT"/>
+                <a:latin typeface="Montserrat"/>
               </a:defRPr>
             </a:lvl1pPr>
           </a:lstStyle>
@@ -406,7 +406,7 @@
         <a:solidFill>
           <a:schemeClr val="tx1"/>
         </a:solidFill>
-        <a:latin typeface="Calisto MT"/>
+        <a:latin typeface="Montserrat"/>
         <a:ea typeface="+mn-ea"/>
         <a:cs typeface="+mn-cs"/>
       </a:defRPr>
@@ -416,7 +416,7 @@
         <a:solidFill>
           <a:schemeClr val="tx1"/>
         </a:solidFill>
-        <a:latin typeface="Calisto MT"/>
+        <a:latin typeface="Montserrat"/>
         <a:ea typeface="+mn-ea"/>
         <a:cs typeface="+mn-cs"/>
       </a:defRPr>
@@ -426,7 +426,7 @@
         <a:solidFill>
           <a:schemeClr val="tx1"/>
         </a:solidFill>
-        <a:latin typeface="Calisto MT"/>
+        <a:latin typeface="Montserrat"/>
         <a:ea typeface="+mn-ea"/>
         <a:cs typeface="+mn-cs"/>
       </a:defRPr>
@@ -436,7 +436,7 @@
         <a:solidFill>
           <a:schemeClr val="tx1"/>
         </a:solidFill>
-        <a:latin typeface="Calisto MT"/>
+        <a:latin typeface="Montserrat"/>
         <a:ea typeface="+mn-ea"/>
         <a:cs typeface="+mn-cs"/>
       </a:defRPr>
@@ -446,7 +446,7 @@
         <a:solidFill>
           <a:schemeClr val="tx1"/>
         </a:solidFill>
-        <a:latin typeface="Calisto MT"/>
+        <a:latin typeface="Montserrat"/>
         <a:ea typeface="+mn-ea"/>
         <a:cs typeface="+mn-cs"/>
       </a:defRPr>
@@ -5107,237 +5107,6 @@
           </a:p>
         </p:txBody>
       </p:sp>
-      <p:sp>
-        <p:nvSpPr>
-          <p:cNvPr id="21" name="TextBox 20"/>
-          <p:cNvSpPr txBox="1">
-            <a:spLocks noChangeArrowheads="1"/>
-          </p:cNvSpPr>
-          <p:nvPr userDrawn="1"/>
-        </p:nvSpPr>
-        <p:spPr bwMode="auto">
-          <a:xfrm>
-            <a:off x="1046163" y="6092834"/>
-            <a:ext cx="6327373" cy="707886"/>
-          </a:xfrm>
-          <a:prstGeom prst="rect">
-            <a:avLst/>
-          </a:prstGeom>
-          <a:noFill/>
-          <a:ln>
-            <a:noFill/>
-          </a:ln>
-          <a:extLst>
-            <a:ext uri="{909E8E84-426E-40dd-AFC4-6F175D3DCCD1}">
-              <a14:hiddenFill xmlns:a14="http://schemas.microsoft.com/office/drawing/2010/main">
-                <a:solidFill>
-                  <a:srgbClr val="FFFFFF"/>
-                </a:solidFill>
-              </a14:hiddenFill>
-            </a:ext>
-            <a:ext uri="{91240B29-F687-4f45-9708-019B960494DF}">
-              <a14:hiddenLine xmlns:a14="http://schemas.microsoft.com/office/drawing/2010/main" w="9525">
-                <a:solidFill>
-                  <a:srgbClr val="000000"/>
-                </a:solidFill>
-                <a:miter lim="800000"/>
-                <a:headEnd/>
-                <a:tailEnd/>
-              </a14:hiddenLine>
-            </a:ext>
-          </a:extLst>
-        </p:spPr>
-        <p:txBody>
-          <a:bodyPr wrap="none">
-            <a:spAutoFit/>
-          </a:bodyPr>
-          <a:lstStyle>
-            <a:defPPr>
-              <a:defRPr lang="en-US"/>
-            </a:defPPr>
-            <a:lvl1pPr algn="ctr" rtl="0" fontAlgn="base">
-              <a:spcBef>
-                <a:spcPct val="0"/>
-              </a:spcBef>
-              <a:spcAft>
-                <a:spcPct val="0"/>
-              </a:spcAft>
-              <a:defRPr sz="3200" kern="1200">
-                <a:solidFill>
-                  <a:srgbClr val="000000"/>
-                </a:solidFill>
-                <a:latin typeface="Gill Sans" charset="0"/>
-                <a:ea typeface="ヒラギノ角ゴ ProN W3" charset="0"/>
-                <a:cs typeface="ヒラギノ角ゴ ProN W3" charset="0"/>
-                <a:sym typeface="Gill Sans" charset="0"/>
-              </a:defRPr>
-            </a:lvl1pPr>
-            <a:lvl2pPr marL="457200" algn="ctr" rtl="0" fontAlgn="base">
-              <a:spcBef>
-                <a:spcPct val="0"/>
-              </a:spcBef>
-              <a:spcAft>
-                <a:spcPct val="0"/>
-              </a:spcAft>
-              <a:defRPr sz="3200" kern="1200">
-                <a:solidFill>
-                  <a:srgbClr val="000000"/>
-                </a:solidFill>
-                <a:latin typeface="Gill Sans" charset="0"/>
-                <a:ea typeface="ヒラギノ角ゴ ProN W3" charset="0"/>
-                <a:cs typeface="ヒラギノ角ゴ ProN W3" charset="0"/>
-                <a:sym typeface="Gill Sans" charset="0"/>
-              </a:defRPr>
-            </a:lvl2pPr>
-            <a:lvl3pPr marL="914400" algn="ctr" rtl="0" fontAlgn="base">
-              <a:spcBef>
-                <a:spcPct val="0"/>
-              </a:spcBef>
-              <a:spcAft>
-                <a:spcPct val="0"/>
-              </a:spcAft>
-              <a:defRPr sz="3200" kern="1200">
-                <a:solidFill>
-                  <a:srgbClr val="000000"/>
-                </a:solidFill>
-                <a:latin typeface="Gill Sans" charset="0"/>
-                <a:ea typeface="ヒラギノ角ゴ ProN W3" charset="0"/>
-                <a:cs typeface="ヒラギノ角ゴ ProN W3" charset="0"/>
-                <a:sym typeface="Gill Sans" charset="0"/>
-              </a:defRPr>
-            </a:lvl3pPr>
-            <a:lvl4pPr marL="1371600" algn="ctr" rtl="0" fontAlgn="base">
-              <a:spcBef>
-                <a:spcPct val="0"/>
-              </a:spcBef>
-              <a:spcAft>
-                <a:spcPct val="0"/>
-              </a:spcAft>
-              <a:defRPr sz="3200" kern="1200">
-                <a:solidFill>
-                  <a:srgbClr val="000000"/>
-                </a:solidFill>
-                <a:latin typeface="Gill Sans" charset="0"/>
-                <a:ea typeface="ヒラギノ角ゴ ProN W3" charset="0"/>
-                <a:cs typeface="ヒラギノ角ゴ ProN W3" charset="0"/>
-                <a:sym typeface="Gill Sans" charset="0"/>
-              </a:defRPr>
-            </a:lvl4pPr>
-            <a:lvl5pPr marL="1828800" algn="ctr" rtl="0" fontAlgn="base">
-              <a:spcBef>
-                <a:spcPct val="0"/>
-              </a:spcBef>
-              <a:spcAft>
-                <a:spcPct val="0"/>
-              </a:spcAft>
-              <a:defRPr sz="3200" kern="1200">
-                <a:solidFill>
-                  <a:srgbClr val="000000"/>
-                </a:solidFill>
-                <a:latin typeface="Gill Sans" charset="0"/>
-                <a:ea typeface="ヒラギノ角ゴ ProN W3" charset="0"/>
-                <a:cs typeface="ヒラギノ角ゴ ProN W3" charset="0"/>
-                <a:sym typeface="Gill Sans" charset="0"/>
-              </a:defRPr>
-            </a:lvl5pPr>
-            <a:lvl6pPr marL="2286000" algn="l" defTabSz="457200" rtl="0" eaLnBrk="1" latinLnBrk="0" hangingPunct="1">
-              <a:defRPr sz="3200" kern="1200">
-                <a:solidFill>
-                  <a:srgbClr val="000000"/>
-                </a:solidFill>
-                <a:latin typeface="Gill Sans" charset="0"/>
-                <a:ea typeface="ヒラギノ角ゴ ProN W3" charset="0"/>
-                <a:cs typeface="ヒラギノ角ゴ ProN W3" charset="0"/>
-                <a:sym typeface="Gill Sans" charset="0"/>
-              </a:defRPr>
-            </a:lvl6pPr>
-            <a:lvl7pPr marL="2743200" algn="l" defTabSz="457200" rtl="0" eaLnBrk="1" latinLnBrk="0" hangingPunct="1">
-              <a:defRPr sz="3200" kern="1200">
-                <a:solidFill>
-                  <a:srgbClr val="000000"/>
-                </a:solidFill>
-                <a:latin typeface="Gill Sans" charset="0"/>
-                <a:ea typeface="ヒラギノ角ゴ ProN W3" charset="0"/>
-                <a:cs typeface="ヒラギノ角ゴ ProN W3" charset="0"/>
-                <a:sym typeface="Gill Sans" charset="0"/>
-              </a:defRPr>
-            </a:lvl7pPr>
-            <a:lvl8pPr marL="3200400" algn="l" defTabSz="457200" rtl="0" eaLnBrk="1" latinLnBrk="0" hangingPunct="1">
-              <a:defRPr sz="3200" kern="1200">
-                <a:solidFill>
-                  <a:srgbClr val="000000"/>
-                </a:solidFill>
-                <a:latin typeface="Gill Sans" charset="0"/>
-                <a:ea typeface="ヒラギノ角ゴ ProN W3" charset="0"/>
-                <a:cs typeface="ヒラギノ角ゴ ProN W3" charset="0"/>
-                <a:sym typeface="Gill Sans" charset="0"/>
-              </a:defRPr>
-            </a:lvl8pPr>
-            <a:lvl9pPr marL="3657600" algn="l" defTabSz="457200" rtl="0" eaLnBrk="1" latinLnBrk="0" hangingPunct="1">
-              <a:defRPr sz="3200" kern="1200">
-                <a:solidFill>
-                  <a:srgbClr val="000000"/>
-                </a:solidFill>
-                <a:latin typeface="Gill Sans" charset="0"/>
-                <a:ea typeface="ヒラギノ角ゴ ProN W3" charset="0"/>
-                <a:cs typeface="ヒラギノ角ゴ ProN W3" charset="0"/>
-                <a:sym typeface="Gill Sans" charset="0"/>
-              </a:defRPr>
-            </a:lvl9pPr>
-          </a:lstStyle>
-          <a:p>
-            <a:pPr algn="l" eaLnBrk="1" hangingPunct="1">
-              <a:defRPr/>
-            </a:pPr>
-            <a:r>
-              <a:rPr lang="en-US" sz="1000" dirty="0" smtClean="0"/>
-              <a:t>© Paul Fremantle 2012.  Portions © Jeremy Gibbons 2010, © WSO2 2005-2012 used with permission of the author(s).</a:t>
-            </a:r>
-          </a:p>
-          <a:p>
-            <a:pPr algn="l" eaLnBrk="1" hangingPunct="1">
-              <a:defRPr/>
-            </a:pPr>
-            <a:r>
-              <a:rPr lang="en-US" sz="1000" dirty="0" smtClean="0"/>
-              <a:t>Licensed under the Creative Commons 3.0 BY-SA (Attribution-</a:t>
-            </a:r>
-            <a:r>
-              <a:rPr lang="en-US" sz="1000" dirty="0" err="1" smtClean="0"/>
-              <a:t>Sharealike</a:t>
-            </a:r>
-            <a:r>
-              <a:rPr lang="en-US" sz="1000" dirty="0" smtClean="0"/>
-              <a:t>) license.</a:t>
-            </a:r>
-          </a:p>
-          <a:p>
-            <a:pPr algn="l" eaLnBrk="1" hangingPunct="1">
-              <a:defRPr/>
-            </a:pPr>
-            <a:r>
-              <a:rPr lang="en-US" sz="1000" dirty="0" smtClean="0"/>
-              <a:t>See </a:t>
-            </a:r>
-            <a:r>
-              <a:rPr lang="en-US" sz="1000" dirty="0" smtClean="0">
-                <a:hlinkClick r:id="rId13"/>
-              </a:rPr>
-              <a:t>http://creativecommons.org/licenses/by-sa/3.0/</a:t>
-            </a:r>
-            <a:r>
-              <a:rPr lang="en-US" sz="1000" dirty="0" smtClean="0"/>
-              <a:t> </a:t>
-            </a:r>
-          </a:p>
-          <a:p>
-            <a:pPr algn="l" eaLnBrk="1" hangingPunct="1">
-              <a:defRPr/>
-            </a:pPr>
-            <a:endParaRPr lang="en-US" sz="1000" dirty="0" smtClean="0"/>
-          </a:p>
-        </p:txBody>
-      </p:sp>
       <p:pic>
         <p:nvPicPr>
           <p:cNvPr id="22" name="Picture 2"/>
@@ -5446,31 +5215,18 @@
           </a:extLst>
         </p:spPr>
       </p:pic>
-      <p:pic>
-        <p:nvPicPr>
-          <p:cNvPr id="24" name="Picture 23"/>
-          <p:cNvPicPr>
-            <a:picLocks noChangeAspect="1" noChangeArrowheads="1"/>
-          </p:cNvPicPr>
+      <p:sp>
+        <p:nvSpPr>
+          <p:cNvPr id="27" name="TextBox 26"/>
+          <p:cNvSpPr txBox="1">
+            <a:spLocks noChangeArrowheads="1"/>
+          </p:cNvSpPr>
           <p:nvPr userDrawn="1"/>
-        </p:nvPicPr>
-        <p:blipFill>
-          <a:blip r:embed="rId14">
-            <a:extLst>
-              <a:ext uri="{28A0092B-C50C-407E-A947-70E740481C1C}">
-                <a14:useLocalDpi xmlns:a14="http://schemas.microsoft.com/office/drawing/2010/main" val="0"/>
-              </a:ext>
-            </a:extLst>
-          </a:blip>
-          <a:srcRect/>
-          <a:stretch>
-            <a:fillRect/>
-          </a:stretch>
-        </p:blipFill>
+        </p:nvSpPr>
         <p:spPr bwMode="auto">
           <a:xfrm>
-            <a:off x="320764" y="6254746"/>
-            <a:ext cx="725399" cy="258097"/>
+            <a:off x="1168930" y="6344711"/>
+            <a:ext cx="4942379" cy="415498"/>
           </a:xfrm>
           <a:prstGeom prst="rect">
             <a:avLst/>
@@ -5498,6 +5254,251 @@
               </a14:hiddenLine>
             </a:ext>
           </a:extLst>
+        </p:spPr>
+        <p:txBody>
+          <a:bodyPr wrap="none">
+            <a:spAutoFit/>
+          </a:bodyPr>
+          <a:lstStyle>
+            <a:defPPr>
+              <a:defRPr lang="en-US"/>
+            </a:defPPr>
+            <a:lvl1pPr algn="ctr" rtl="0" fontAlgn="base">
+              <a:spcBef>
+                <a:spcPct val="0"/>
+              </a:spcBef>
+              <a:spcAft>
+                <a:spcPct val="0"/>
+              </a:spcAft>
+              <a:defRPr sz="3200" kern="1200">
+                <a:solidFill>
+                  <a:srgbClr val="000000"/>
+                </a:solidFill>
+                <a:latin typeface="Gill Sans" charset="0"/>
+                <a:ea typeface="ヒラギノ角ゴ ProN W3" charset="0"/>
+                <a:cs typeface="ヒラギノ角ゴ ProN W3" charset="0"/>
+                <a:sym typeface="Gill Sans" charset="0"/>
+              </a:defRPr>
+            </a:lvl1pPr>
+            <a:lvl2pPr marL="457200" algn="ctr" rtl="0" fontAlgn="base">
+              <a:spcBef>
+                <a:spcPct val="0"/>
+              </a:spcBef>
+              <a:spcAft>
+                <a:spcPct val="0"/>
+              </a:spcAft>
+              <a:defRPr sz="3200" kern="1200">
+                <a:solidFill>
+                  <a:srgbClr val="000000"/>
+                </a:solidFill>
+                <a:latin typeface="Gill Sans" charset="0"/>
+                <a:ea typeface="ヒラギノ角ゴ ProN W3" charset="0"/>
+                <a:cs typeface="ヒラギノ角ゴ ProN W3" charset="0"/>
+                <a:sym typeface="Gill Sans" charset="0"/>
+              </a:defRPr>
+            </a:lvl2pPr>
+            <a:lvl3pPr marL="914400" algn="ctr" rtl="0" fontAlgn="base">
+              <a:spcBef>
+                <a:spcPct val="0"/>
+              </a:spcBef>
+              <a:spcAft>
+                <a:spcPct val="0"/>
+              </a:spcAft>
+              <a:defRPr sz="3200" kern="1200">
+                <a:solidFill>
+                  <a:srgbClr val="000000"/>
+                </a:solidFill>
+                <a:latin typeface="Gill Sans" charset="0"/>
+                <a:ea typeface="ヒラギノ角ゴ ProN W3" charset="0"/>
+                <a:cs typeface="ヒラギノ角ゴ ProN W3" charset="0"/>
+                <a:sym typeface="Gill Sans" charset="0"/>
+              </a:defRPr>
+            </a:lvl3pPr>
+            <a:lvl4pPr marL="1371600" algn="ctr" rtl="0" fontAlgn="base">
+              <a:spcBef>
+                <a:spcPct val="0"/>
+              </a:spcBef>
+              <a:spcAft>
+                <a:spcPct val="0"/>
+              </a:spcAft>
+              <a:defRPr sz="3200" kern="1200">
+                <a:solidFill>
+                  <a:srgbClr val="000000"/>
+                </a:solidFill>
+                <a:latin typeface="Gill Sans" charset="0"/>
+                <a:ea typeface="ヒラギノ角ゴ ProN W3" charset="0"/>
+                <a:cs typeface="ヒラギノ角ゴ ProN W3" charset="0"/>
+                <a:sym typeface="Gill Sans" charset="0"/>
+              </a:defRPr>
+            </a:lvl4pPr>
+            <a:lvl5pPr marL="1828800" algn="ctr" rtl="0" fontAlgn="base">
+              <a:spcBef>
+                <a:spcPct val="0"/>
+              </a:spcBef>
+              <a:spcAft>
+                <a:spcPct val="0"/>
+              </a:spcAft>
+              <a:defRPr sz="3200" kern="1200">
+                <a:solidFill>
+                  <a:srgbClr val="000000"/>
+                </a:solidFill>
+                <a:latin typeface="Gill Sans" charset="0"/>
+                <a:ea typeface="ヒラギノ角ゴ ProN W3" charset="0"/>
+                <a:cs typeface="ヒラギノ角ゴ ProN W3" charset="0"/>
+                <a:sym typeface="Gill Sans" charset="0"/>
+              </a:defRPr>
+            </a:lvl5pPr>
+            <a:lvl6pPr marL="2286000" algn="l" defTabSz="457200" rtl="0" eaLnBrk="1" latinLnBrk="0" hangingPunct="1">
+              <a:defRPr sz="3200" kern="1200">
+                <a:solidFill>
+                  <a:srgbClr val="000000"/>
+                </a:solidFill>
+                <a:latin typeface="Gill Sans" charset="0"/>
+                <a:ea typeface="ヒラギノ角ゴ ProN W3" charset="0"/>
+                <a:cs typeface="ヒラギノ角ゴ ProN W3" charset="0"/>
+                <a:sym typeface="Gill Sans" charset="0"/>
+              </a:defRPr>
+            </a:lvl6pPr>
+            <a:lvl7pPr marL="2743200" algn="l" defTabSz="457200" rtl="0" eaLnBrk="1" latinLnBrk="0" hangingPunct="1">
+              <a:defRPr sz="3200" kern="1200">
+                <a:solidFill>
+                  <a:srgbClr val="000000"/>
+                </a:solidFill>
+                <a:latin typeface="Gill Sans" charset="0"/>
+                <a:ea typeface="ヒラギノ角ゴ ProN W3" charset="0"/>
+                <a:cs typeface="ヒラギノ角ゴ ProN W3" charset="0"/>
+                <a:sym typeface="Gill Sans" charset="0"/>
+              </a:defRPr>
+            </a:lvl7pPr>
+            <a:lvl8pPr marL="3200400" algn="l" defTabSz="457200" rtl="0" eaLnBrk="1" latinLnBrk="0" hangingPunct="1">
+              <a:defRPr sz="3200" kern="1200">
+                <a:solidFill>
+                  <a:srgbClr val="000000"/>
+                </a:solidFill>
+                <a:latin typeface="Gill Sans" charset="0"/>
+                <a:ea typeface="ヒラギノ角ゴ ProN W3" charset="0"/>
+                <a:cs typeface="ヒラギノ角ゴ ProN W3" charset="0"/>
+                <a:sym typeface="Gill Sans" charset="0"/>
+              </a:defRPr>
+            </a:lvl8pPr>
+            <a:lvl9pPr marL="3657600" algn="l" defTabSz="457200" rtl="0" eaLnBrk="1" latinLnBrk="0" hangingPunct="1">
+              <a:defRPr sz="3200" kern="1200">
+                <a:solidFill>
+                  <a:srgbClr val="000000"/>
+                </a:solidFill>
+                <a:latin typeface="Gill Sans" charset="0"/>
+                <a:ea typeface="ヒラギノ角ゴ ProN W3" charset="0"/>
+                <a:cs typeface="ヒラギノ角ゴ ProN W3" charset="0"/>
+                <a:sym typeface="Gill Sans" charset="0"/>
+              </a:defRPr>
+            </a:lvl9pPr>
+          </a:lstStyle>
+          <a:p>
+            <a:pPr algn="l" eaLnBrk="1" hangingPunct="1">
+              <a:defRPr/>
+            </a:pPr>
+            <a:r>
+              <a:rPr lang="en-US" sz="700" dirty="0" smtClean="0">
+                <a:latin typeface="Montserrat"/>
+              </a:rPr>
+              <a:t>© Paul Fremantle </a:t>
+            </a:r>
+            <a:r>
+              <a:rPr lang="en-US" sz="700" dirty="0" smtClean="0">
+                <a:latin typeface="Montserrat"/>
+              </a:rPr>
+              <a:t>2016 except where credited elsewhere. </a:t>
+            </a:r>
+            <a:r>
+              <a:rPr lang="en-US" sz="700" dirty="0" smtClean="0">
+                <a:latin typeface="Montserrat"/>
+              </a:rPr>
+              <a:t> This work is licensed under a Creative Commons</a:t>
+            </a:r>
+          </a:p>
+          <a:p>
+            <a:pPr algn="l" eaLnBrk="1" hangingPunct="1">
+              <a:defRPr/>
+            </a:pPr>
+            <a:r>
+              <a:rPr lang="en-US" sz="700" dirty="0" smtClean="0">
+                <a:latin typeface="Montserrat"/>
+              </a:rPr>
+              <a:t> Attribution-</a:t>
+            </a:r>
+            <a:r>
+              <a:rPr lang="en-US" sz="700" dirty="0" err="1" smtClean="0">
+                <a:latin typeface="Montserrat"/>
+              </a:rPr>
+              <a:t>NonCommercial</a:t>
+            </a:r>
+            <a:r>
+              <a:rPr lang="en-US" sz="700" dirty="0" smtClean="0">
+                <a:latin typeface="Montserrat"/>
+              </a:rPr>
+              <a:t>-</a:t>
+            </a:r>
+            <a:r>
+              <a:rPr lang="en-US" sz="700" dirty="0" err="1" smtClean="0">
+                <a:latin typeface="Montserrat"/>
+              </a:rPr>
+              <a:t>ShareAlike</a:t>
+            </a:r>
+            <a:r>
+              <a:rPr lang="en-US" sz="700" dirty="0" smtClean="0">
+                <a:latin typeface="Montserrat"/>
+              </a:rPr>
+              <a:t> 4.0 International License</a:t>
+            </a:r>
+            <a:br>
+              <a:rPr lang="en-US" sz="700" dirty="0" smtClean="0">
+                <a:latin typeface="Montserrat"/>
+              </a:rPr>
+            </a:br>
+            <a:r>
+              <a:rPr lang="en-US" sz="700" dirty="0" smtClean="0">
+                <a:latin typeface="Montserrat"/>
+              </a:rPr>
+              <a:t>See  </a:t>
+            </a:r>
+            <a:r>
+              <a:rPr lang="en-US" sz="700" dirty="0" smtClean="0">
+                <a:latin typeface="Montserrat"/>
+                <a:hlinkClick r:id="rId15"/>
+              </a:rPr>
+              <a:t>http://creativecommons.org/licenses/by-nc-sa/4.0/</a:t>
+            </a:r>
+            <a:r>
+              <a:rPr lang="en-US" sz="700" dirty="0" smtClean="0">
+                <a:latin typeface="Montserrat"/>
+              </a:rPr>
+              <a:t> </a:t>
+            </a:r>
+          </a:p>
+        </p:txBody>
+      </p:sp>
+      <p:pic>
+        <p:nvPicPr>
+          <p:cNvPr id="28" name="Picture 27"/>
+          <p:cNvPicPr>
+            <a:picLocks noChangeAspect="1"/>
+          </p:cNvPicPr>
+          <p:nvPr userDrawn="1"/>
+        </p:nvPicPr>
+        <p:blipFill>
+          <a:blip r:embed="rId16"/>
+          <a:stretch>
+            <a:fillRect/>
+          </a:stretch>
+        </p:blipFill>
+        <p:spPr>
+          <a:xfrm>
+            <a:off x="375635" y="6428175"/>
+            <a:ext cx="792765" cy="279269"/>
+          </a:xfrm>
+          <a:prstGeom prst="rect">
+            <a:avLst/>
+          </a:prstGeom>
         </p:spPr>
       </p:pic>
     </p:spTree>
@@ -5532,7 +5533,7 @@
           <a:solidFill>
             <a:schemeClr val="tx1"/>
           </a:solidFill>
-          <a:latin typeface="Calisto MT"/>
+          <a:latin typeface="Montserrat"/>
           <a:ea typeface="+mj-ea"/>
           <a:cs typeface="+mj-cs"/>
         </a:defRPr>
@@ -5549,7 +5550,7 @@
           <a:solidFill>
             <a:schemeClr val="tx1"/>
           </a:solidFill>
-          <a:latin typeface="Calisto MT"/>
+          <a:latin typeface="Montserrat"/>
           <a:ea typeface="+mn-ea"/>
           <a:cs typeface="+mn-cs"/>
         </a:defRPr>
@@ -5564,7 +5565,7 @@
           <a:solidFill>
             <a:schemeClr val="tx1"/>
           </a:solidFill>
-          <a:latin typeface="Calisto MT"/>
+          <a:latin typeface="Montserrat"/>
           <a:ea typeface="+mn-ea"/>
           <a:cs typeface="+mn-cs"/>
         </a:defRPr>
@@ -5579,7 +5580,7 @@
           <a:solidFill>
             <a:schemeClr val="tx1"/>
           </a:solidFill>
-          <a:latin typeface="Calisto MT"/>
+          <a:latin typeface="Montserrat"/>
           <a:ea typeface="+mn-ea"/>
           <a:cs typeface="+mn-cs"/>
         </a:defRPr>
@@ -5594,7 +5595,7 @@
           <a:solidFill>
             <a:schemeClr val="tx1"/>
           </a:solidFill>
-          <a:latin typeface="Calisto MT"/>
+          <a:latin typeface="Montserrat"/>
           <a:ea typeface="+mn-ea"/>
           <a:cs typeface="+mn-cs"/>
         </a:defRPr>
@@ -5609,7 +5610,7 @@
           <a:solidFill>
             <a:schemeClr val="tx1"/>
           </a:solidFill>
-          <a:latin typeface="Calisto MT"/>
+          <a:latin typeface="Montserrat"/>
           <a:ea typeface="+mn-ea"/>
           <a:cs typeface="+mn-cs"/>
         </a:defRPr>
